--- a/project1/Project1_ Investigate Dataset.pptx
+++ b/project1/Project1_ Investigate Dataset.pptx
@@ -6,7 +6,7 @@
   </p:sldMasterIdLst>
   <p:sldIdLst>
     <p:sldId id="256" r:id="rId2"/>
-    <p:sldId id="259" r:id="rId3"/>
+    <p:sldId id="258" r:id="rId3"/>
     <p:sldId id="260" r:id="rId4"/>
     <p:sldId id="262" r:id="rId5"/>
     <p:sldId id="264" r:id="rId6"/>
@@ -263,7 +263,7 @@
           <a:p>
             <a:fld id="{EED1C14C-A143-42F5-B247-D0E800131009}" type="datetimeFigureOut">
               <a:rPr lang="en-US" smtClean="0"/>
-              <a:t>5/1/2020</a:t>
+              <a:t>5/2/2020</a:t>
             </a:fld>
             <a:endParaRPr lang="en-US"/>
           </a:p>
@@ -461,7 +461,7 @@
           <a:p>
             <a:fld id="{EED1C14C-A143-42F5-B247-D0E800131009}" type="datetimeFigureOut">
               <a:rPr lang="en-US" smtClean="0"/>
-              <a:t>5/1/2020</a:t>
+              <a:t>5/2/2020</a:t>
             </a:fld>
             <a:endParaRPr lang="en-US"/>
           </a:p>
@@ -669,7 +669,7 @@
           <a:p>
             <a:fld id="{EED1C14C-A143-42F5-B247-D0E800131009}" type="datetimeFigureOut">
               <a:rPr lang="en-US" smtClean="0"/>
-              <a:t>5/1/2020</a:t>
+              <a:t>5/2/2020</a:t>
             </a:fld>
             <a:endParaRPr lang="en-US"/>
           </a:p>
@@ -867,7 +867,7 @@
           <a:p>
             <a:fld id="{EED1C14C-A143-42F5-B247-D0E800131009}" type="datetimeFigureOut">
               <a:rPr lang="en-US" smtClean="0"/>
-              <a:t>5/1/2020</a:t>
+              <a:t>5/2/2020</a:t>
             </a:fld>
             <a:endParaRPr lang="en-US"/>
           </a:p>
@@ -1142,7 +1142,7 @@
           <a:p>
             <a:fld id="{EED1C14C-A143-42F5-B247-D0E800131009}" type="datetimeFigureOut">
               <a:rPr lang="en-US" smtClean="0"/>
-              <a:t>5/1/2020</a:t>
+              <a:t>5/2/2020</a:t>
             </a:fld>
             <a:endParaRPr lang="en-US"/>
           </a:p>
@@ -1407,7 +1407,7 @@
           <a:p>
             <a:fld id="{EED1C14C-A143-42F5-B247-D0E800131009}" type="datetimeFigureOut">
               <a:rPr lang="en-US" smtClean="0"/>
-              <a:t>5/1/2020</a:t>
+              <a:t>5/2/2020</a:t>
             </a:fld>
             <a:endParaRPr lang="en-US"/>
           </a:p>
@@ -1819,7 +1819,7 @@
           <a:p>
             <a:fld id="{EED1C14C-A143-42F5-B247-D0E800131009}" type="datetimeFigureOut">
               <a:rPr lang="en-US" smtClean="0"/>
-              <a:t>5/1/2020</a:t>
+              <a:t>5/2/2020</a:t>
             </a:fld>
             <a:endParaRPr lang="en-US"/>
           </a:p>
@@ -1960,7 +1960,7 @@
           <a:p>
             <a:fld id="{EED1C14C-A143-42F5-B247-D0E800131009}" type="datetimeFigureOut">
               <a:rPr lang="en-US" smtClean="0"/>
-              <a:t>5/1/2020</a:t>
+              <a:t>5/2/2020</a:t>
             </a:fld>
             <a:endParaRPr lang="en-US"/>
           </a:p>
@@ -2073,7 +2073,7 @@
           <a:p>
             <a:fld id="{EED1C14C-A143-42F5-B247-D0E800131009}" type="datetimeFigureOut">
               <a:rPr lang="en-US" smtClean="0"/>
-              <a:t>5/1/2020</a:t>
+              <a:t>5/2/2020</a:t>
             </a:fld>
             <a:endParaRPr lang="en-US"/>
           </a:p>
@@ -2384,7 +2384,7 @@
           <a:p>
             <a:fld id="{EED1C14C-A143-42F5-B247-D0E800131009}" type="datetimeFigureOut">
               <a:rPr lang="en-US" smtClean="0"/>
-              <a:t>5/1/2020</a:t>
+              <a:t>5/2/2020</a:t>
             </a:fld>
             <a:endParaRPr lang="en-US"/>
           </a:p>
@@ -2672,7 +2672,7 @@
           <a:p>
             <a:fld id="{EED1C14C-A143-42F5-B247-D0E800131009}" type="datetimeFigureOut">
               <a:rPr lang="en-US" smtClean="0"/>
-              <a:t>5/1/2020</a:t>
+              <a:t>5/2/2020</a:t>
             </a:fld>
             <a:endParaRPr lang="en-US"/>
           </a:p>
@@ -2913,7 +2913,7 @@
           <a:p>
             <a:fld id="{EED1C14C-A143-42F5-B247-D0E800131009}" type="datetimeFigureOut">
               <a:rPr lang="en-US" smtClean="0"/>
-              <a:t>5/1/2020</a:t>
+              <a:t>5/2/2020</a:t>
             </a:fld>
             <a:endParaRPr lang="en-US"/>
           </a:p>
@@ -3330,101 +3330,30 @@
           <a:chExt cx="0" cy="0"/>
         </a:xfrm>
       </p:grpSpPr>
-      <p:sp>
-        <p:nvSpPr>
-          <p:cNvPr id="2" name="slide1">
-            <a:extLst>
-              <a:ext uri="{FF2B5EF4-FFF2-40B4-BE49-F238E27FC236}">
-                <a16:creationId xmlns:a16="http://schemas.microsoft.com/office/drawing/2014/main" xmlns="" id="{29803D39-8DFF-4F57-962A-05F98A3BEB6E}"/>
-              </a:ext>
-            </a:extLst>
-          </p:cNvPr>
-          <p:cNvSpPr>
-            <a:spLocks noGrp="1"/>
-          </p:cNvSpPr>
-          <p:nvPr>
-            <p:ph type="ctrTitle"/>
-          </p:nvPr>
-        </p:nvSpPr>
+      <p:pic>
+        <p:nvPicPr>
+          <p:cNvPr id="6" name="Picture 5"/>
+          <p:cNvPicPr>
+            <a:picLocks noChangeAspect="1"/>
+          </p:cNvPicPr>
+          <p:nvPr/>
+        </p:nvPicPr>
+        <p:blipFill>
+          <a:blip r:embed="rId2"/>
+          <a:stretch>
+            <a:fillRect/>
+          </a:stretch>
+        </p:blipFill>
         <p:spPr>
           <a:xfrm>
-            <a:off x="1524000" y="1122363"/>
-            <a:ext cx="9144000" cy="1506537"/>
+            <a:off x="1562032" y="829133"/>
+            <a:ext cx="9303302" cy="4334632"/>
           </a:xfrm>
+          <a:prstGeom prst="rect">
+            <a:avLst/>
+          </a:prstGeom>
         </p:spPr>
-        <p:txBody>
-          <a:bodyPr>
-            <a:normAutofit/>
-          </a:bodyPr>
-          <a:lstStyle/>
-          <a:p>
-            <a:r>
-              <a:rPr lang="en-US" dirty="0">
-                <a:hlinkClick r:id="rId2"/>
-              </a:rPr>
-              <a:t>Project1: </a:t>
-            </a:r>
-            <a:r>
-              <a:rPr lang="bs-Latn-BA" dirty="0" smtClean="0">
-                <a:hlinkClick r:id="rId2"/>
-              </a:rPr>
-              <a:t/>
-            </a:r>
-            <a:br>
-              <a:rPr lang="bs-Latn-BA" dirty="0" smtClean="0">
-                <a:hlinkClick r:id="rId2"/>
-              </a:rPr>
-            </a:br>
-            <a:r>
-              <a:rPr lang="en-GB" sz="3300" dirty="0"/>
-              <a:t>Investigate a Relational Database</a:t>
-            </a:r>
-            <a:endParaRPr lang="en-US" sz="3300" dirty="0">
-              <a:hlinkClick r:id="rId2"/>
-            </a:endParaRPr>
-          </a:p>
-        </p:txBody>
-      </p:sp>
-      <p:sp>
-        <p:nvSpPr>
-          <p:cNvPr id="3" name="slide1">
-            <a:extLst>
-              <a:ext uri="{FF2B5EF4-FFF2-40B4-BE49-F238E27FC236}">
-                <a16:creationId xmlns:a16="http://schemas.microsoft.com/office/drawing/2014/main" xmlns="" id="{4AF48B5F-976D-4F35-B988-ABDFFC9D7045}"/>
-              </a:ext>
-            </a:extLst>
-          </p:cNvPr>
-          <p:cNvSpPr>
-            <a:spLocks noGrp="1"/>
-          </p:cNvSpPr>
-          <p:nvPr>
-            <p:ph type="subTitle" idx="1"/>
-          </p:nvPr>
-        </p:nvSpPr>
-        <p:spPr/>
-        <p:txBody>
-          <a:bodyPr>
-            <a:normAutofit fontScale="92500"/>
-          </a:bodyPr>
-          <a:lstStyle/>
-          <a:p>
-            <a:pPr algn="just"/>
-            <a:r>
-              <a:rPr lang="en-GB" dirty="0"/>
-              <a:t>The </a:t>
-            </a:r>
-            <a:r>
-              <a:rPr lang="en-GB" dirty="0" err="1"/>
-              <a:t>Sakila</a:t>
-            </a:r>
-            <a:r>
-              <a:rPr lang="en-GB" dirty="0"/>
-              <a:t> Database holds information about a company that rents movie DVDs. For this project, we will be querying the database to gain an understanding of the customer base, such as what the patterns in movie watching are across different customer groups, how they compare on payment earnings, and how the stores compare in their performance. </a:t>
-            </a:r>
-            <a:endParaRPr dirty="0"/>
-          </a:p>
-        </p:txBody>
-      </p:sp>
+      </p:pic>
     </p:spTree>
     <p:extLst>
       <p:ext uri="{BB962C8B-B14F-4D97-AF65-F5344CB8AC3E}">
@@ -3457,10 +3386,10 @@
       </p:grpSpPr>
       <p:pic>
         <p:nvPicPr>
-          <p:cNvPr id="4" name="slide4" descr="Dashboard 1">
-            <a:extLst>
-              <a:ext uri="{FF2B5EF4-FFF2-40B4-BE49-F238E27FC236}">
-                <a16:creationId xmlns:a16="http://schemas.microsoft.com/office/drawing/2014/main" xmlns="" id="{125B220E-BDD2-45BC-85DB-9E1330B413EA}"/>
+          <p:cNvPr id="3" name="slide3" descr="Dashboard 1">
+            <a:extLst>
+              <a:ext uri="{FF2B5EF4-FFF2-40B4-BE49-F238E27FC236}">
+                <a16:creationId xmlns:a16="http://schemas.microsoft.com/office/drawing/2014/main" xmlns="" id="{D8A920FC-950F-476D-BFB6-F778D5C1A5D6}"/>
               </a:ext>
             </a:extLst>
           </p:cNvPr>
@@ -3483,8 +3412,8 @@
         </p:blipFill>
         <p:spPr>
           <a:xfrm>
-            <a:off x="0" y="782545"/>
-            <a:ext cx="12192000" cy="5292909"/>
+            <a:off x="0" y="77359"/>
+            <a:ext cx="12192000" cy="6703282"/>
           </a:xfrm>
           <a:prstGeom prst="rect">
             <a:avLst/>
@@ -3526,7 +3455,7 @@
           <p:cNvPr id="5" name="slide5" descr="Dashboard 2">
             <a:extLst>
               <a:ext uri="{FF2B5EF4-FFF2-40B4-BE49-F238E27FC236}">
-                <a16:creationId xmlns:a16="http://schemas.microsoft.com/office/drawing/2014/main" xmlns="" id="{DCD724B0-CF21-4BF6-8C0F-4B684D5A615F}"/>
+                <a16:creationId xmlns:a16="http://schemas.microsoft.com/office/drawing/2014/main" xmlns="" id="{69B5448A-8869-44F1-A449-79F968A82DA9}"/>
               </a:ext>
             </a:extLst>
           </p:cNvPr>
@@ -3549,8 +3478,8 @@
         </p:blipFill>
         <p:spPr>
           <a:xfrm>
-            <a:off x="0" y="782545"/>
-            <a:ext cx="12192000" cy="5292909"/>
+            <a:off x="186255" y="0"/>
+            <a:ext cx="11819489" cy="6858000"/>
           </a:xfrm>
           <a:prstGeom prst="rect">
             <a:avLst/>
@@ -3592,7 +3521,7 @@
           <p:cNvPr id="7" name="slide7" descr="Dashboard 3">
             <a:extLst>
               <a:ext uri="{FF2B5EF4-FFF2-40B4-BE49-F238E27FC236}">
-                <a16:creationId xmlns:a16="http://schemas.microsoft.com/office/drawing/2014/main" xmlns="" id="{9B496EFE-2C7C-4C6F-A2BD-9A6401B2C801}"/>
+                <a16:creationId xmlns:a16="http://schemas.microsoft.com/office/drawing/2014/main" xmlns="" id="{515CAE14-EF33-46E5-8D84-9C0E54FDD9AC}"/>
               </a:ext>
             </a:extLst>
           </p:cNvPr>
@@ -3615,8 +3544,8 @@
         </p:blipFill>
         <p:spPr>
           <a:xfrm>
-            <a:off x="0" y="926058"/>
-            <a:ext cx="12192000" cy="5005882"/>
+            <a:off x="186255" y="0"/>
+            <a:ext cx="11819489" cy="6858000"/>
           </a:xfrm>
           <a:prstGeom prst="rect">
             <a:avLst/>
@@ -3658,7 +3587,7 @@
           <p:cNvPr id="9" name="slide9" descr="Dashboard 4">
             <a:extLst>
               <a:ext uri="{FF2B5EF4-FFF2-40B4-BE49-F238E27FC236}">
-                <a16:creationId xmlns:a16="http://schemas.microsoft.com/office/drawing/2014/main" xmlns="" id="{9C911742-951C-4281-8796-88A1540CE6A8}"/>
+                <a16:creationId xmlns:a16="http://schemas.microsoft.com/office/drawing/2014/main" xmlns="" id="{D9C6F6FC-7446-4DFE-989F-89F88091390F}"/>
               </a:ext>
             </a:extLst>
           </p:cNvPr>
@@ -3681,8 +3610,8 @@
         </p:blipFill>
         <p:spPr>
           <a:xfrm>
-            <a:off x="0" y="926058"/>
-            <a:ext cx="12192000" cy="5005882"/>
+            <a:off x="186255" y="0"/>
+            <a:ext cx="11819489" cy="6858000"/>
           </a:xfrm>
           <a:prstGeom prst="rect">
             <a:avLst/>
